--- a/spring15/slidesS15/6042S15welcome.pptx
+++ b/spring15/slidesS15/6042S15welcome.pptx
@@ -16,9 +16,9 @@
     <p:sldId id="258" r:id="rId4"/>
     <p:sldId id="317" r:id="rId5"/>
     <p:sldId id="341" r:id="rId6"/>
-    <p:sldId id="315" r:id="rId7"/>
-    <p:sldId id="343" r:id="rId8"/>
-    <p:sldId id="355" r:id="rId9"/>
+    <p:sldId id="355" r:id="rId7"/>
+    <p:sldId id="315" r:id="rId8"/>
+    <p:sldId id="343" r:id="rId9"/>
     <p:sldId id="316" r:id="rId10"/>
     <p:sldId id="312" r:id="rId11"/>
     <p:sldId id="348" r:id="rId12"/>
@@ -943,6 +943,366 @@
       </p:grpSpPr>
       <p:sp>
         <p:nvSpPr>
+          <p:cNvPr id="2" name="Slide Image Placeholder 1"/>
+          <p:cNvSpPr>
+            <a:spLocks noGrp="1" noRot="1" noChangeAspect="1"/>
+          </p:cNvSpPr>
+          <p:nvPr>
+            <p:ph type="sldImg"/>
+          </p:nvPr>
+        </p:nvSpPr>
+        <p:spPr/>
+      </p:sp>
+      <p:sp>
+        <p:nvSpPr>
+          <p:cNvPr id="3" name="Notes Placeholder 2"/>
+          <p:cNvSpPr>
+            <a:spLocks noGrp="1"/>
+          </p:cNvSpPr>
+          <p:nvPr>
+            <p:ph type="body" idx="1"/>
+          </p:nvPr>
+        </p:nvSpPr>
+        <p:spPr/>
+        <p:txBody>
+          <a:bodyPr/>
+          <a:lstStyle/>
+          <a:p>
+            <a:endParaRPr lang="en-US"/>
+          </a:p>
+        </p:txBody>
+      </p:sp>
+      <p:sp>
+        <p:nvSpPr>
+          <p:cNvPr id="4" name="Slide Number Placeholder 3"/>
+          <p:cNvSpPr>
+            <a:spLocks noGrp="1"/>
+          </p:cNvSpPr>
+          <p:nvPr>
+            <p:ph type="sldNum" sz="quarter" idx="10"/>
+          </p:nvPr>
+        </p:nvSpPr>
+        <p:spPr/>
+        <p:txBody>
+          <a:bodyPr/>
+          <a:lstStyle/>
+          <a:p>
+            <a:pPr>
+              <a:defRPr/>
+            </a:pPr>
+            <a:fld id="{B7ED332F-0EC5-441C-BA8F-1AEBCDB3F549}" type="slidenum">
+              <a:rPr lang="en-US" smtClean="0"/>
+              <a:pPr>
+                <a:defRPr/>
+              </a:pPr>
+              <a:t>11</a:t>
+            </a:fld>
+            <a:endParaRPr lang="en-US"/>
+          </a:p>
+        </p:txBody>
+      </p:sp>
+    </p:spTree>
+    <p:extLst>
+      <p:ext uri="{BB962C8B-B14F-4D97-AF65-F5344CB8AC3E}">
+        <p14:creationId xmlns:p14="http://schemas.microsoft.com/office/powerpoint/2010/main" val="703851671"/>
+      </p:ext>
+    </p:extLst>
+  </p:cSld>
+  <p:clrMapOvr>
+    <a:masterClrMapping/>
+  </p:clrMapOvr>
+</p:notes>
+</file>
+
+<file path=ppt/notesSlides/notesSlide11.xml><?xml version="1.0" encoding="utf-8"?>
+<p:notes xmlns:a="http://schemas.openxmlformats.org/drawingml/2006/main" xmlns:r="http://schemas.openxmlformats.org/officeDocument/2006/relationships" xmlns:p="http://schemas.openxmlformats.org/presentationml/2006/main">
+  <p:cSld>
+    <p:spTree>
+      <p:nvGrpSpPr>
+        <p:cNvPr id="1" name=""/>
+        <p:cNvGrpSpPr/>
+        <p:nvPr/>
+      </p:nvGrpSpPr>
+      <p:grpSpPr>
+        <a:xfrm>
+          <a:off x="0" y="0"/>
+          <a:ext cx="0" cy="0"/>
+          <a:chOff x="0" y="0"/>
+          <a:chExt cx="0" cy="0"/>
+        </a:xfrm>
+      </p:grpSpPr>
+      <p:sp>
+        <p:nvSpPr>
+          <p:cNvPr id="2" name="Slide Image Placeholder 1"/>
+          <p:cNvSpPr>
+            <a:spLocks noGrp="1" noRot="1" noChangeAspect="1"/>
+          </p:cNvSpPr>
+          <p:nvPr>
+            <p:ph type="sldImg"/>
+          </p:nvPr>
+        </p:nvSpPr>
+        <p:spPr/>
+      </p:sp>
+      <p:sp>
+        <p:nvSpPr>
+          <p:cNvPr id="3" name="Notes Placeholder 2"/>
+          <p:cNvSpPr>
+            <a:spLocks noGrp="1"/>
+          </p:cNvSpPr>
+          <p:nvPr>
+            <p:ph type="body" idx="1"/>
+          </p:nvPr>
+        </p:nvSpPr>
+        <p:spPr/>
+        <p:txBody>
+          <a:bodyPr/>
+          <a:lstStyle/>
+          <a:p>
+            <a:endParaRPr lang="en-US"/>
+          </a:p>
+        </p:txBody>
+      </p:sp>
+      <p:sp>
+        <p:nvSpPr>
+          <p:cNvPr id="4" name="Slide Number Placeholder 3"/>
+          <p:cNvSpPr>
+            <a:spLocks noGrp="1"/>
+          </p:cNvSpPr>
+          <p:nvPr>
+            <p:ph type="sldNum" sz="quarter" idx="10"/>
+          </p:nvPr>
+        </p:nvSpPr>
+        <p:spPr/>
+        <p:txBody>
+          <a:bodyPr/>
+          <a:lstStyle/>
+          <a:p>
+            <a:pPr>
+              <a:defRPr/>
+            </a:pPr>
+            <a:fld id="{B7ED332F-0EC5-441C-BA8F-1AEBCDB3F549}" type="slidenum">
+              <a:rPr lang="en-US" smtClean="0"/>
+              <a:pPr>
+                <a:defRPr/>
+              </a:pPr>
+              <a:t>12</a:t>
+            </a:fld>
+            <a:endParaRPr lang="en-US"/>
+          </a:p>
+        </p:txBody>
+      </p:sp>
+    </p:spTree>
+    <p:extLst>
+      <p:ext uri="{BB962C8B-B14F-4D97-AF65-F5344CB8AC3E}">
+        <p14:creationId xmlns:p14="http://schemas.microsoft.com/office/powerpoint/2010/main" val="602648736"/>
+      </p:ext>
+    </p:extLst>
+  </p:cSld>
+  <p:clrMapOvr>
+    <a:masterClrMapping/>
+  </p:clrMapOvr>
+</p:notes>
+</file>
+
+<file path=ppt/notesSlides/notesSlide12.xml><?xml version="1.0" encoding="utf-8"?>
+<p:notes xmlns:a="http://schemas.openxmlformats.org/drawingml/2006/main" xmlns:r="http://schemas.openxmlformats.org/officeDocument/2006/relationships" xmlns:p="http://schemas.openxmlformats.org/presentationml/2006/main">
+  <p:cSld>
+    <p:spTree>
+      <p:nvGrpSpPr>
+        <p:cNvPr id="1" name=""/>
+        <p:cNvGrpSpPr/>
+        <p:nvPr/>
+      </p:nvGrpSpPr>
+      <p:grpSpPr>
+        <a:xfrm>
+          <a:off x="0" y="0"/>
+          <a:ext cx="0" cy="0"/>
+          <a:chOff x="0" y="0"/>
+          <a:chExt cx="0" cy="0"/>
+        </a:xfrm>
+      </p:grpSpPr>
+      <p:sp>
+        <p:nvSpPr>
+          <p:cNvPr id="2" name="Slide Image Placeholder 1"/>
+          <p:cNvSpPr>
+            <a:spLocks noGrp="1" noRot="1" noChangeAspect="1"/>
+          </p:cNvSpPr>
+          <p:nvPr>
+            <p:ph type="sldImg"/>
+          </p:nvPr>
+        </p:nvSpPr>
+        <p:spPr/>
+      </p:sp>
+      <p:sp>
+        <p:nvSpPr>
+          <p:cNvPr id="3" name="Notes Placeholder 2"/>
+          <p:cNvSpPr>
+            <a:spLocks noGrp="1"/>
+          </p:cNvSpPr>
+          <p:nvPr>
+            <p:ph type="body" idx="1"/>
+          </p:nvPr>
+        </p:nvSpPr>
+        <p:spPr/>
+        <p:txBody>
+          <a:bodyPr/>
+          <a:lstStyle/>
+          <a:p>
+            <a:endParaRPr lang="en-US"/>
+          </a:p>
+        </p:txBody>
+      </p:sp>
+      <p:sp>
+        <p:nvSpPr>
+          <p:cNvPr id="4" name="Slide Number Placeholder 3"/>
+          <p:cNvSpPr>
+            <a:spLocks noGrp="1"/>
+          </p:cNvSpPr>
+          <p:nvPr>
+            <p:ph type="sldNum" sz="quarter" idx="10"/>
+          </p:nvPr>
+        </p:nvSpPr>
+        <p:spPr/>
+        <p:txBody>
+          <a:bodyPr/>
+          <a:lstStyle/>
+          <a:p>
+            <a:pPr>
+              <a:defRPr/>
+            </a:pPr>
+            <a:fld id="{B7ED332F-0EC5-441C-BA8F-1AEBCDB3F549}" type="slidenum">
+              <a:rPr lang="en-US" smtClean="0"/>
+              <a:pPr>
+                <a:defRPr/>
+              </a:pPr>
+              <a:t>13</a:t>
+            </a:fld>
+            <a:endParaRPr lang="en-US"/>
+          </a:p>
+        </p:txBody>
+      </p:sp>
+    </p:spTree>
+    <p:extLst>
+      <p:ext uri="{BB962C8B-B14F-4D97-AF65-F5344CB8AC3E}">
+        <p14:creationId xmlns:p14="http://schemas.microsoft.com/office/powerpoint/2010/main" val="1511881828"/>
+      </p:ext>
+    </p:extLst>
+  </p:cSld>
+  <p:clrMapOvr>
+    <a:masterClrMapping/>
+  </p:clrMapOvr>
+</p:notes>
+</file>
+
+<file path=ppt/notesSlides/notesSlide13.xml><?xml version="1.0" encoding="utf-8"?>
+<p:notes xmlns:a="http://schemas.openxmlformats.org/drawingml/2006/main" xmlns:r="http://schemas.openxmlformats.org/officeDocument/2006/relationships" xmlns:p="http://schemas.openxmlformats.org/presentationml/2006/main">
+  <p:cSld>
+    <p:spTree>
+      <p:nvGrpSpPr>
+        <p:cNvPr id="1" name=""/>
+        <p:cNvGrpSpPr/>
+        <p:nvPr/>
+      </p:nvGrpSpPr>
+      <p:grpSpPr>
+        <a:xfrm>
+          <a:off x="0" y="0"/>
+          <a:ext cx="0" cy="0"/>
+          <a:chOff x="0" y="0"/>
+          <a:chExt cx="0" cy="0"/>
+        </a:xfrm>
+      </p:grpSpPr>
+      <p:sp>
+        <p:nvSpPr>
+          <p:cNvPr id="2" name="Slide Image Placeholder 1"/>
+          <p:cNvSpPr>
+            <a:spLocks noGrp="1" noRot="1" noChangeAspect="1"/>
+          </p:cNvSpPr>
+          <p:nvPr>
+            <p:ph type="sldImg"/>
+          </p:nvPr>
+        </p:nvSpPr>
+        <p:spPr/>
+      </p:sp>
+      <p:sp>
+        <p:nvSpPr>
+          <p:cNvPr id="3" name="Notes Placeholder 2"/>
+          <p:cNvSpPr>
+            <a:spLocks noGrp="1"/>
+          </p:cNvSpPr>
+          <p:nvPr>
+            <p:ph type="body" idx="1"/>
+          </p:nvPr>
+        </p:nvSpPr>
+        <p:spPr/>
+        <p:txBody>
+          <a:bodyPr/>
+          <a:lstStyle/>
+          <a:p>
+            <a:endParaRPr lang="en-US"/>
+          </a:p>
+        </p:txBody>
+      </p:sp>
+      <p:sp>
+        <p:nvSpPr>
+          <p:cNvPr id="4" name="Slide Number Placeholder 3"/>
+          <p:cNvSpPr>
+            <a:spLocks noGrp="1"/>
+          </p:cNvSpPr>
+          <p:nvPr>
+            <p:ph type="sldNum" sz="quarter" idx="10"/>
+          </p:nvPr>
+        </p:nvSpPr>
+        <p:spPr/>
+        <p:txBody>
+          <a:bodyPr/>
+          <a:lstStyle/>
+          <a:p>
+            <a:pPr>
+              <a:defRPr/>
+            </a:pPr>
+            <a:fld id="{B7ED332F-0EC5-441C-BA8F-1AEBCDB3F549}" type="slidenum">
+              <a:rPr lang="en-US" smtClean="0"/>
+              <a:pPr>
+                <a:defRPr/>
+              </a:pPr>
+              <a:t>14</a:t>
+            </a:fld>
+            <a:endParaRPr lang="en-US"/>
+          </a:p>
+        </p:txBody>
+      </p:sp>
+    </p:spTree>
+    <p:extLst>
+      <p:ext uri="{BB962C8B-B14F-4D97-AF65-F5344CB8AC3E}">
+        <p14:creationId xmlns:p14="http://schemas.microsoft.com/office/powerpoint/2010/main" val="39974863"/>
+      </p:ext>
+    </p:extLst>
+  </p:cSld>
+  <p:clrMapOvr>
+    <a:masterClrMapping/>
+  </p:clrMapOvr>
+</p:notes>
+</file>
+
+<file path=ppt/notesSlides/notesSlide14.xml><?xml version="1.0" encoding="utf-8"?>
+<p:notes xmlns:a="http://schemas.openxmlformats.org/drawingml/2006/main" xmlns:r="http://schemas.openxmlformats.org/officeDocument/2006/relationships" xmlns:p="http://schemas.openxmlformats.org/presentationml/2006/main">
+  <p:cSld>
+    <p:spTree>
+      <p:nvGrpSpPr>
+        <p:cNvPr id="1" name=""/>
+        <p:cNvGrpSpPr/>
+        <p:nvPr/>
+      </p:nvGrpSpPr>
+      <p:grpSpPr>
+        <a:xfrm>
+          <a:off x="0" y="0"/>
+          <a:ext cx="0" cy="0"/>
+          <a:chOff x="0" y="0"/>
+          <a:chExt cx="0" cy="0"/>
+        </a:xfrm>
+      </p:grpSpPr>
+      <p:sp>
+        <p:nvSpPr>
           <p:cNvPr id="50178" name="Rectangle 7"/>
           <p:cNvSpPr>
             <a:spLocks noGrp="1" noChangeArrowheads="1"/>
@@ -1383,7 +1743,7 @@
       </p:grpSpPr>
       <p:sp>
         <p:nvSpPr>
-          <p:cNvPr id="50178" name="Rectangle 7"/>
+          <p:cNvPr id="51202" name="Rectangle 7"/>
           <p:cNvSpPr>
             <a:spLocks noGrp="1" noChangeArrowheads="1"/>
           </p:cNvSpPr>
@@ -1398,7 +1758,7 @@
           <a:bodyPr/>
           <a:lstStyle/>
           <a:p>
-            <a:fld id="{220A3D5C-B518-42C7-9197-3F2DF3C7EA01}" type="slidenum">
+            <a:fld id="{0D7320DE-676A-47D1-8D8A-51937269739F}" type="slidenum">
               <a:rPr lang="en-US" smtClean="0"/>
               <a:pPr/>
               <a:t>6</a:t>
@@ -1409,7 +1769,7 @@
       </p:sp>
       <p:sp>
         <p:nvSpPr>
-          <p:cNvPr id="50179" name="Rectangle 2"/>
+          <p:cNvPr id="51203" name="Rectangle 2"/>
           <p:cNvSpPr>
             <a:spLocks noGrp="1" noRot="1" noChangeAspect="1" noChangeArrowheads="1" noTextEdit="1"/>
           </p:cNvSpPr>
@@ -1423,7 +1783,7 @@
       </p:sp>
       <p:sp>
         <p:nvSpPr>
-          <p:cNvPr id="50180" name="Rectangle 3"/>
+          <p:cNvPr id="51204" name="Rectangle 3"/>
           <p:cNvSpPr>
             <a:spLocks noGrp="1" noChangeArrowheads="1"/>
           </p:cNvSpPr>
@@ -1471,7 +1831,7 @@
       </p:grpSpPr>
       <p:sp>
         <p:nvSpPr>
-          <p:cNvPr id="51202" name="Rectangle 7"/>
+          <p:cNvPr id="50178" name="Rectangle 7"/>
           <p:cNvSpPr>
             <a:spLocks noGrp="1" noChangeArrowheads="1"/>
           </p:cNvSpPr>
@@ -1486,10 +1846,10 @@
           <a:bodyPr/>
           <a:lstStyle/>
           <a:p>
-            <a:fld id="{0D7320DE-676A-47D1-8D8A-51937269739F}" type="slidenum">
+            <a:fld id="{220A3D5C-B518-42C7-9197-3F2DF3C7EA01}" type="slidenum">
               <a:rPr lang="en-US" smtClean="0"/>
               <a:pPr/>
-              <a:t>8</a:t>
+              <a:t>7</a:t>
             </a:fld>
             <a:endParaRPr lang="en-US" smtClean="0"/>
           </a:p>
@@ -1497,7 +1857,7 @@
       </p:sp>
       <p:sp>
         <p:nvSpPr>
-          <p:cNvPr id="51203" name="Rectangle 2"/>
+          <p:cNvPr id="50179" name="Rectangle 2"/>
           <p:cNvSpPr>
             <a:spLocks noGrp="1" noRot="1" noChangeAspect="1" noChangeArrowheads="1" noTextEdit="1"/>
           </p:cNvSpPr>
@@ -1511,7 +1871,7 @@
       </p:sp>
       <p:sp>
         <p:nvSpPr>
-          <p:cNvPr id="51204" name="Rectangle 3"/>
+          <p:cNvPr id="50180" name="Rectangle 3"/>
           <p:cNvSpPr>
             <a:spLocks noGrp="1" noChangeArrowheads="1"/>
           </p:cNvSpPr>
@@ -4560,40 +4920,49 @@
               <a:defRPr/>
             </a:pPr>
             <a:r>
-              <a:rPr lang="en-US" sz="6000" b="1" dirty="0"/>
-              <a:t>Prof. Adam </a:t>
-            </a:r>
-            <a:r>
-              <a:rPr lang="en-US" sz="6000" b="1" dirty="0" err="1" smtClean="0"/>
-              <a:t>Chlipala</a:t>
-            </a:r>
-            <a:endParaRPr lang="en-US" sz="6000" b="1" dirty="0" smtClean="0"/>
-          </a:p>
-          <a:p>
-            <a:pPr eaLnBrk="1" hangingPunct="1">
-              <a:defRPr/>
-            </a:pPr>
-            <a:r>
-              <a:rPr lang="en-US" sz="6000" b="1" dirty="0" smtClean="0"/>
-              <a:t>Prof. Albert R Meyer</a:t>
-            </a:r>
-          </a:p>
-          <a:p>
-            <a:pPr eaLnBrk="1" hangingPunct="1">
-              <a:defRPr/>
-            </a:pPr>
+              <a:rPr lang="en-US" sz="6000" dirty="0">
+                <a:solidFill>
+                  <a:srgbClr val="0D05A7"/>
+                </a:solidFill>
+              </a:rPr>
+              <a:t>WELCOME!...</a:t>
+            </a:r>
             <a:r>
               <a:rPr lang="en-US" sz="6000" dirty="0" smtClean="0">
                 <a:solidFill>
                   <a:srgbClr val="0D05A7"/>
                 </a:solidFill>
               </a:rPr>
-              <a:t>WELCOME!....</a:t>
-            </a:r>
-            <a:endParaRPr lang="en-US" b="1" u="sng" dirty="0" smtClean="0">
-              <a:latin typeface="Courier New" pitchFamily="49" charset="0"/>
-              <a:cs typeface="Courier New" pitchFamily="49" charset="0"/>
-            </a:endParaRPr>
+              <a:t>.</a:t>
+            </a:r>
+            <a:endParaRPr lang="en-US" sz="6000" b="1" dirty="0" smtClean="0"/>
+          </a:p>
+          <a:p>
+            <a:pPr eaLnBrk="1" hangingPunct="1">
+              <a:defRPr/>
+            </a:pPr>
+            <a:r>
+              <a:rPr lang="en-US" sz="6000" b="1" dirty="0" smtClean="0"/>
+              <a:t>Prof</a:t>
+            </a:r>
+            <a:r>
+              <a:rPr lang="en-US" sz="6000" b="1" dirty="0"/>
+              <a:t>. Adam </a:t>
+            </a:r>
+            <a:r>
+              <a:rPr lang="en-US" sz="6000" b="1" dirty="0" err="1" smtClean="0"/>
+              <a:t>Chlipala</a:t>
+            </a:r>
+            <a:endParaRPr lang="en-US" sz="6000" b="1" dirty="0" smtClean="0"/>
+          </a:p>
+          <a:p>
+            <a:pPr eaLnBrk="1" hangingPunct="1">
+              <a:defRPr/>
+            </a:pPr>
+            <a:r>
+              <a:rPr lang="en-US" sz="6000" b="1" dirty="0" smtClean="0"/>
+              <a:t>Prof. Albert R Meyer</a:t>
+            </a:r>
           </a:p>
         </p:txBody>
       </p:sp>
@@ -4613,7 +4982,7 @@
           <a:graphicData uri="http://schemas.openxmlformats.org/presentationml/2006/ole">
             <mc:AlternateContent xmlns:mc="http://schemas.openxmlformats.org/markup-compatibility/2006">
               <mc:Choice xmlns:v="urn:schemas-microsoft-com:vml" Requires="v">
-                <p:oleObj spid="_x0000_s1191" name="Equation" r:id="rId4" imgW="914400" imgH="215640" progId="Equation.3">
+                <p:oleObj spid="_x0000_s1224" name="Equation" r:id="rId4" imgW="914400" imgH="215640" progId="Equation.3">
                   <p:embed/>
                 </p:oleObj>
               </mc:Choice>
@@ -4683,7 +5052,7 @@
           <a:graphicData uri="http://schemas.openxmlformats.org/presentationml/2006/ole">
             <mc:AlternateContent xmlns:mc="http://schemas.openxmlformats.org/markup-compatibility/2006">
               <mc:Choice xmlns:v="urn:schemas-microsoft-com:vml" Requires="v">
-                <p:oleObj spid="_x0000_s1192" name="Equation" r:id="rId6" imgW="914400" imgH="215640" progId="Equation.3">
+                <p:oleObj spid="_x0000_s1225" name="Equation" r:id="rId6" imgW="914400" imgH="215640" progId="Equation.3">
                   <p:embed/>
                 </p:oleObj>
               </mc:Choice>
@@ -4771,7 +5140,7 @@
                             </p:stCondLst>
                             <p:childTnLst>
                               <p:par>
-                                <p:cTn id="5" presetID="10" presetClass="entr" presetSubtype="0" fill="hold" nodeType="clickEffect">
+                                <p:cTn id="5" presetID="52" presetClass="entr" presetSubtype="0" fill="hold" nodeType="clickEffect">
                                   <p:stCondLst>
                                     <p:cond delay="0"/>
                                   </p:stCondLst>
@@ -4798,9 +5167,47 @@
                                         <p:strVal val="visible"/>
                                       </p:to>
                                     </p:set>
+                                    <p:animScale>
+                                      <p:cBhvr>
+                                        <p:cTn id="7" dur="1000" decel="50000" fill="hold">
+                                          <p:stCondLst>
+                                            <p:cond delay="0"/>
+                                          </p:stCondLst>
+                                        </p:cTn>
+                                        <p:tgtEl>
+                                          <p:spTgt spid="13">
+                                            <p:txEl>
+                                              <p:pRg st="0" end="0"/>
+                                            </p:txEl>
+                                          </p:spTgt>
+                                        </p:tgtEl>
+                                      </p:cBhvr>
+                                      <p:from x="250000" y="250000"/>
+                                      <p:to x="100000" y="100000"/>
+                                    </p:animScale>
+                                    <p:animMotion origin="layout" path="M -0.46736 0.92887  C -0.37517 0.88508  -0.02552 0.75279  0.0908 0.66613  C  0.20747 0.57948  0.21649 0.50394  0.23177 0.40825  C 0.24705 0.31256  0.22118 0.15964   0.18264 0.09152  C 0.1441 0.02341  0.03802 0.0  0.0 0.0  " pathEditMode="relative" ptsTypes="">
+                                      <p:cBhvr>
+                                        <p:cTn id="8" dur="1000" decel="50000" fill="hold">
+                                          <p:stCondLst>
+                                            <p:cond delay="0"/>
+                                          </p:stCondLst>
+                                        </p:cTn>
+                                        <p:tgtEl>
+                                          <p:spTgt spid="13">
+                                            <p:txEl>
+                                              <p:pRg st="0" end="0"/>
+                                            </p:txEl>
+                                          </p:spTgt>
+                                        </p:tgtEl>
+                                        <p:attrNameLst>
+                                          <p:attrName>ppt_x</p:attrName>
+                                          <p:attrName>ppt_y</p:attrName>
+                                        </p:attrNameLst>
+                                      </p:cBhvr>
+                                    </p:animMotion>
                                     <p:animEffect transition="in" filter="fade">
                                       <p:cBhvr>
-                                        <p:cTn id="7" dur="500"/>
+                                        <p:cTn id="9" dur="1000"/>
                                         <p:tgtEl>
                                           <p:spTgt spid="13">
                                             <p:txEl>
@@ -4820,26 +5227,26 @@
                     </p:cTn>
                   </p:par>
                   <p:par>
-                    <p:cTn id="8" fill="hold">
+                    <p:cTn id="10" fill="hold">
                       <p:stCondLst>
                         <p:cond delay="indefinite"/>
                       </p:stCondLst>
                       <p:childTnLst>
                         <p:par>
-                          <p:cTn id="9" fill="hold">
+                          <p:cTn id="11" fill="hold">
                             <p:stCondLst>
                               <p:cond delay="0"/>
                             </p:stCondLst>
                             <p:childTnLst>
                               <p:par>
-                                <p:cTn id="10" presetID="10" presetClass="entr" presetSubtype="0" fill="hold" nodeType="clickEffect">
+                                <p:cTn id="12" presetID="10" presetClass="entr" presetSubtype="0" fill="hold" nodeType="clickEffect">
                                   <p:stCondLst>
                                     <p:cond delay="0"/>
                                   </p:stCondLst>
                                   <p:childTnLst>
                                     <p:set>
                                       <p:cBhvr>
-                                        <p:cTn id="11" dur="1" fill="hold">
+                                        <p:cTn id="13" dur="1" fill="hold">
                                           <p:stCondLst>
                                             <p:cond delay="0"/>
                                           </p:stCondLst>
@@ -4861,7 +5268,7 @@
                                     </p:set>
                                     <p:animEffect transition="in" filter="fade">
                                       <p:cBhvr>
-                                        <p:cTn id="12" dur="500"/>
+                                        <p:cTn id="14" dur="500"/>
                                         <p:tgtEl>
                                           <p:spTgt spid="13">
                                             <p:txEl>
@@ -4877,30 +5284,21 @@
                             </p:childTnLst>
                           </p:cTn>
                         </p:par>
-                      </p:childTnLst>
-                    </p:cTn>
-                  </p:par>
-                  <p:par>
-                    <p:cTn id="13" fill="hold">
-                      <p:stCondLst>
-                        <p:cond delay="indefinite"/>
-                      </p:stCondLst>
-                      <p:childTnLst>
                         <p:par>
-                          <p:cTn id="14" fill="hold">
+                          <p:cTn id="15" fill="hold">
                             <p:stCondLst>
-                              <p:cond delay="0"/>
+                              <p:cond delay="500"/>
                             </p:stCondLst>
                             <p:childTnLst>
                               <p:par>
-                                <p:cTn id="15" presetID="35" presetClass="entr" presetSubtype="0" fill="hold" nodeType="clickEffect">
+                                <p:cTn id="16" presetID="10" presetClass="entr" presetSubtype="0" fill="hold" nodeType="afterEffect">
                                   <p:stCondLst>
                                     <p:cond delay="0"/>
                                   </p:stCondLst>
                                   <p:childTnLst>
                                     <p:set>
                                       <p:cBhvr>
-                                        <p:cTn id="16" dur="1" fill="hold">
+                                        <p:cTn id="17" dur="1" fill="hold">
                                           <p:stCondLst>
                                             <p:cond delay="0"/>
                                           </p:stCondLst>
@@ -4922,7 +5320,7 @@
                                     </p:set>
                                     <p:animEffect transition="in" filter="fade">
                                       <p:cBhvr>
-                                        <p:cTn id="17" dur="1000"/>
+                                        <p:cTn id="18" dur="500"/>
                                         <p:tgtEl>
                                           <p:spTgt spid="13">
                                             <p:txEl>
@@ -4932,87 +5330,6 @@
                                         </p:tgtEl>
                                       </p:cBhvr>
                                     </p:animEffect>
-                                    <p:anim calcmode="lin" valueType="num">
-                                      <p:cBhvr>
-                                        <p:cTn id="18" dur="1000" fill="hold"/>
-                                        <p:tgtEl>
-                                          <p:spTgt spid="13">
-                                            <p:txEl>
-                                              <p:pRg st="2" end="2"/>
-                                            </p:txEl>
-                                          </p:spTgt>
-                                        </p:tgtEl>
-                                        <p:attrNameLst>
-                                          <p:attrName>style.rotation</p:attrName>
-                                        </p:attrNameLst>
-                                      </p:cBhvr>
-                                      <p:tavLst>
-                                        <p:tav tm="0">
-                                          <p:val>
-                                            <p:fltVal val="720"/>
-                                          </p:val>
-                                        </p:tav>
-                                        <p:tav tm="100000">
-                                          <p:val>
-                                            <p:fltVal val="0"/>
-                                          </p:val>
-                                        </p:tav>
-                                      </p:tavLst>
-                                    </p:anim>
-                                    <p:anim calcmode="lin" valueType="num">
-                                      <p:cBhvr>
-                                        <p:cTn id="19" dur="1000" fill="hold"/>
-                                        <p:tgtEl>
-                                          <p:spTgt spid="13">
-                                            <p:txEl>
-                                              <p:pRg st="2" end="2"/>
-                                            </p:txEl>
-                                          </p:spTgt>
-                                        </p:tgtEl>
-                                        <p:attrNameLst>
-                                          <p:attrName>ppt_h</p:attrName>
-                                        </p:attrNameLst>
-                                      </p:cBhvr>
-                                      <p:tavLst>
-                                        <p:tav tm="0">
-                                          <p:val>
-                                            <p:fltVal val="0"/>
-                                          </p:val>
-                                        </p:tav>
-                                        <p:tav tm="100000">
-                                          <p:val>
-                                            <p:strVal val="#ppt_h"/>
-                                          </p:val>
-                                        </p:tav>
-                                      </p:tavLst>
-                                    </p:anim>
-                                    <p:anim calcmode="lin" valueType="num">
-                                      <p:cBhvr>
-                                        <p:cTn id="20" dur="1000" fill="hold"/>
-                                        <p:tgtEl>
-                                          <p:spTgt spid="13">
-                                            <p:txEl>
-                                              <p:pRg st="2" end="2"/>
-                                            </p:txEl>
-                                          </p:spTgt>
-                                        </p:tgtEl>
-                                        <p:attrNameLst>
-                                          <p:attrName>ppt_w</p:attrName>
-                                        </p:attrNameLst>
-                                      </p:cBhvr>
-                                      <p:tavLst>
-                                        <p:tav tm="0">
-                                          <p:val>
-                                            <p:fltVal val="0"/>
-                                          </p:val>
-                                        </p:tav>
-                                        <p:tav tm="100000">
-                                          <p:val>
-                                            <p:strVal val="#ppt_w"/>
-                                          </p:val>
-                                        </p:tav>
-                                      </p:tavLst>
-                                    </p:anim>
                                   </p:childTnLst>
                                 </p:cTn>
                               </p:par>
@@ -5110,7 +5427,7 @@
         </p:nvSpPr>
         <p:spPr>
           <a:xfrm>
-            <a:off x="1057275" y="1141414"/>
+            <a:off x="1311275" y="938214"/>
             <a:ext cx="7441334" cy="1129578"/>
           </a:xfrm>
         </p:spPr>
@@ -5140,8 +5457,8 @@
         </p:nvSpPr>
         <p:spPr bwMode="auto">
           <a:xfrm>
-            <a:off x="645855" y="2087126"/>
-            <a:ext cx="7830066" cy="3416320"/>
+            <a:off x="787401" y="1866900"/>
+            <a:ext cx="7658100" cy="3785652"/>
           </a:xfrm>
           <a:prstGeom prst="rect">
             <a:avLst/>
@@ -5162,73 +5479,64 @@
           <a:p>
             <a:pPr algn="l"/>
             <a:r>
-              <a:rPr lang="en-US" sz="5400" dirty="0" smtClean="0">
+              <a:rPr lang="en-US" sz="4800" dirty="0" smtClean="0">
                 <a:latin typeface="Comic Sans MS" pitchFamily="66" charset="0"/>
               </a:rPr>
               <a:t>MWF </a:t>
             </a:r>
             <a:r>
-              <a:rPr lang="en-US" sz="5400" dirty="0">
+              <a:rPr lang="en-US" sz="4800" dirty="0">
                 <a:latin typeface="Comic Sans MS" pitchFamily="66" charset="0"/>
               </a:rPr>
               <a:t>1.5 hour </a:t>
             </a:r>
             <a:r>
-              <a:rPr lang="en-US" sz="5400" dirty="0" smtClean="0">
+              <a:rPr lang="en-US" sz="4800" dirty="0" smtClean="0">
                 <a:latin typeface="Comic Sans MS" pitchFamily="66" charset="0"/>
               </a:rPr>
               <a:t>sessions:</a:t>
             </a:r>
-            <a:endParaRPr lang="en-US" sz="5400" dirty="0">
+            <a:endParaRPr lang="en-US" sz="4800" dirty="0">
               <a:latin typeface="Comic Sans MS" pitchFamily="66" charset="0"/>
             </a:endParaRPr>
           </a:p>
           <a:p>
-            <a:pPr marL="685800" lvl="1" indent="-685800" algn="l">
-              <a:buFont typeface="Arial"/>
-              <a:buChar char="•"/>
-            </a:pPr>
-            <a:r>
-              <a:rPr lang="en-US" sz="5400" dirty="0" smtClean="0">
+            <a:pPr marL="0" lvl="1" algn="l"/>
+            <a:r>
+              <a:rPr lang="en-US" sz="4800" dirty="0" smtClean="0">
                 <a:latin typeface="Comic Sans MS" pitchFamily="66" charset="0"/>
               </a:rPr>
-              <a:t>5 </a:t>
-            </a:r>
-            <a:r>
-              <a:rPr lang="en-US" sz="5400" dirty="0">
+              <a:t>team learning through problem</a:t>
+            </a:r>
+            <a:r>
+              <a:rPr lang="en-US" sz="4800" dirty="0">
                 <a:latin typeface="Comic Sans MS" pitchFamily="66" charset="0"/>
               </a:rPr>
-              <a:t>min </a:t>
-            </a:r>
-            <a:r>
-              <a:rPr lang="en-US" sz="5400" dirty="0" smtClean="0">
+              <a:t>-</a:t>
+            </a:r>
+            <a:r>
+              <a:rPr lang="en-US" sz="4800" dirty="0" smtClean="0">
                 <a:latin typeface="Comic Sans MS" pitchFamily="66" charset="0"/>
               </a:rPr>
-              <a:t>review led by team coach, then</a:t>
-            </a:r>
-          </a:p>
-          <a:p>
-            <a:pPr marL="685800" indent="-685800" algn="l">
-              <a:buFont typeface="Arial"/>
-              <a:buChar char="•"/>
-            </a:pPr>
-            <a:r>
-              <a:rPr lang="en-US" sz="5400" dirty="0" smtClean="0">
+              <a:t>solving.</a:t>
+            </a:r>
+          </a:p>
+          <a:p>
+            <a:pPr marL="0" lvl="1" algn="l"/>
+            <a:r>
+              <a:rPr lang="en-US" sz="4800" dirty="0" smtClean="0">
                 <a:latin typeface="Comic Sans MS" pitchFamily="66" charset="0"/>
               </a:rPr>
-              <a:t>team </a:t>
-            </a:r>
-            <a:r>
-              <a:rPr lang="en-US" sz="5400" dirty="0">
+              <a:t>Teams of 6—8 students</a:t>
+            </a:r>
+          </a:p>
+          <a:p>
+            <a:pPr marL="0" lvl="1" algn="l"/>
+            <a:r>
+              <a:rPr lang="en-US" sz="4800" dirty="0" smtClean="0">
                 <a:latin typeface="Comic Sans MS" pitchFamily="66" charset="0"/>
               </a:rPr>
-              <a:t>problem-</a:t>
-            </a:r>
-            <a:r>
-              <a:rPr lang="en-US" sz="5400" dirty="0" smtClean="0">
-                <a:latin typeface="Comic Sans MS" pitchFamily="66" charset="0"/>
-              </a:rPr>
-              <a:t>solving</a:t>
+              <a:t>with Team Coach.</a:t>
             </a:r>
           </a:p>
         </p:txBody>
@@ -5657,6 +5965,49 @@
                                   </p:childTnLst>
                                 </p:cTn>
                               </p:par>
+                              <p:par>
+                                <p:cTn id="23" presetID="9" presetClass="entr" presetSubtype="0" fill="hold" nodeType="withEffect">
+                                  <p:stCondLst>
+                                    <p:cond delay="0"/>
+                                  </p:stCondLst>
+                                  <p:childTnLst>
+                                    <p:set>
+                                      <p:cBhvr>
+                                        <p:cTn id="24" dur="1" fill="hold">
+                                          <p:stCondLst>
+                                            <p:cond delay="0"/>
+                                          </p:stCondLst>
+                                        </p:cTn>
+                                        <p:tgtEl>
+                                          <p:spTgt spid="24580">
+                                            <p:txEl>
+                                              <p:pRg st="3" end="3"/>
+                                            </p:txEl>
+                                          </p:spTgt>
+                                        </p:tgtEl>
+                                        <p:attrNameLst>
+                                          <p:attrName>style.visibility</p:attrName>
+                                        </p:attrNameLst>
+                                      </p:cBhvr>
+                                      <p:to>
+                                        <p:strVal val="visible"/>
+                                      </p:to>
+                                    </p:set>
+                                    <p:animEffect transition="in" filter="dissolve">
+                                      <p:cBhvr>
+                                        <p:cTn id="25" dur="500"/>
+                                        <p:tgtEl>
+                                          <p:spTgt spid="24580">
+                                            <p:txEl>
+                                              <p:pRg st="3" end="3"/>
+                                            </p:txEl>
+                                          </p:spTgt>
+                                        </p:tgtEl>
+                                      </p:cBhvr>
+                                    </p:animEffect>
+                                  </p:childTnLst>
+                                </p:cTn>
+                              </p:par>
                             </p:childTnLst>
                           </p:cTn>
                         </p:par>
@@ -5918,7 +6269,7 @@
     <a:masterClrMapping/>
   </p:clrMapOvr>
   <p:transition xmlns:p14="http://schemas.microsoft.com/office/powerpoint/2010/main" spd="slow" advClick="0">
-    <p:fade/>
+    <p:fade thruBlk="1"/>
   </p:transition>
   <p:timing>
     <p:tnLst>
@@ -6345,7 +6696,7 @@
               <a:rPr lang="en-US" sz="4400" dirty="0" smtClean="0">
                 <a:latin typeface="Comic Sans MS" pitchFamily="66" charset="0"/>
               </a:rPr>
-              <a:t>cope with diversity</a:t>
+              <a:t>learn to communicate</a:t>
             </a:r>
           </a:p>
           <a:p>
@@ -6357,16 +6708,40 @@
               <a:rPr lang="en-US" sz="4400" dirty="0" smtClean="0">
                 <a:latin typeface="Comic Sans MS" pitchFamily="66" charset="0"/>
               </a:rPr>
-              <a:t>learn to communicate</a:t>
-            </a:r>
-          </a:p>
-          <a:p>
-            <a:pPr algn="l"/>
+              <a:t>cope </a:t>
+            </a:r>
             <a:r>
               <a:rPr lang="en-US" sz="4400" dirty="0" smtClean="0">
                 <a:latin typeface="Comic Sans MS" pitchFamily="66" charset="0"/>
               </a:rPr>
+              <a:t>with </a:t>
+            </a:r>
+            <a:r>
+              <a:rPr lang="en-US" sz="4400" dirty="0" smtClean="0">
+                <a:latin typeface="Comic Sans MS" pitchFamily="66" charset="0"/>
+              </a:rPr>
+              <a:t>diversity</a:t>
+            </a:r>
+            <a:endParaRPr lang="en-US" sz="4400" dirty="0" smtClean="0">
+              <a:latin typeface="Comic Sans MS" pitchFamily="66" charset="0"/>
+            </a:endParaRPr>
+          </a:p>
+          <a:p>
+            <a:pPr algn="l"/>
+            <a:r>
+              <a:rPr lang="en-US" sz="4400" dirty="0" smtClean="0">
+                <a:latin typeface="Comic Sans MS" pitchFamily="66" charset="0"/>
+              </a:rPr>
               <a:t>			</a:t>
+            </a:r>
+            <a:r>
+              <a:rPr lang="en-US" sz="4400" dirty="0" smtClean="0">
+                <a:solidFill>
+                  <a:srgbClr val="077F15"/>
+                </a:solidFill>
+                <a:latin typeface="Comic Sans MS" pitchFamily="66" charset="0"/>
+              </a:rPr>
+              <a:t>…</a:t>
             </a:r>
             <a:r>
               <a:rPr lang="en-US" sz="4400" dirty="0" smtClean="0">
@@ -6890,8 +7265,8 @@
         </p:nvSpPr>
         <p:spPr>
           <a:xfrm>
-            <a:off x="409714" y="1348800"/>
-            <a:ext cx="8443337" cy="4832092"/>
+            <a:off x="257314" y="1348800"/>
+            <a:ext cx="8648521" cy="4832092"/>
           </a:xfrm>
           <a:prstGeom prst="rect">
             <a:avLst/>
@@ -6974,7 +7349,13 @@
               <a:rPr lang="en-US" sz="4400" dirty="0" smtClean="0">
                 <a:latin typeface="Comic Sans MS" pitchFamily="66" charset="0"/>
               </a:rPr>
-              <a:t>geniuses are slowed down</a:t>
+              <a:t>very strong </a:t>
+            </a:r>
+            <a:r>
+              <a:rPr lang="en-US" sz="4400" dirty="0" smtClean="0">
+                <a:latin typeface="Comic Sans MS" pitchFamily="66" charset="0"/>
+              </a:rPr>
+              <a:t>are slowed down</a:t>
             </a:r>
           </a:p>
           <a:p>
@@ -6986,7 +7367,13 @@
               <a:rPr lang="en-US" sz="4400" dirty="0" smtClean="0">
                 <a:latin typeface="Comic Sans MS" pitchFamily="66" charset="0"/>
               </a:rPr>
-              <a:t>extremely weak left behind</a:t>
+              <a:t>very </a:t>
+            </a:r>
+            <a:r>
+              <a:rPr lang="en-US" sz="4400" dirty="0" smtClean="0">
+                <a:latin typeface="Comic Sans MS" pitchFamily="66" charset="0"/>
+              </a:rPr>
+              <a:t>weak left behind</a:t>
             </a:r>
           </a:p>
           <a:p>
@@ -7011,7 +7398,7 @@
         </p:nvSpPr>
         <p:spPr>
           <a:xfrm>
-            <a:off x="4847919" y="1950323"/>
+            <a:off x="4695519" y="1950323"/>
             <a:ext cx="2931812" cy="830997"/>
           </a:xfrm>
           <a:prstGeom prst="rect">
@@ -7798,7 +8185,7 @@
           <a:graphicData uri="http://schemas.openxmlformats.org/presentationml/2006/ole">
             <mc:AlternateContent xmlns:mc="http://schemas.openxmlformats.org/markup-compatibility/2006">
               <mc:Choice xmlns:v="urn:schemas-microsoft-com:vml" Requires="v">
-                <p:oleObj spid="_x0000_s219140" name="Equation" r:id="rId4" imgW="914400" imgH="215640" progId="Equation.3">
+                <p:oleObj spid="_x0000_s219173" name="Equation" r:id="rId4" imgW="914400" imgH="215640" progId="Equation.3">
                   <p:embed/>
                 </p:oleObj>
               </mc:Choice>
@@ -7868,7 +8255,7 @@
           <a:graphicData uri="http://schemas.openxmlformats.org/presentationml/2006/ole">
             <mc:AlternateContent xmlns:mc="http://schemas.openxmlformats.org/markup-compatibility/2006">
               <mc:Choice xmlns:v="urn:schemas-microsoft-com:vml" Requires="v">
-                <p:oleObj spid="_x0000_s219141" name="Equation" r:id="rId6" imgW="914400" imgH="215640" progId="Equation.3">
+                <p:oleObj spid="_x0000_s219174" name="Equation" r:id="rId6" imgW="914400" imgH="215640" progId="Equation.3">
                   <p:embed/>
                 </p:oleObj>
               </mc:Choice>
@@ -8259,7 +8646,7 @@
           <a:graphicData uri="http://schemas.openxmlformats.org/presentationml/2006/ole">
             <mc:AlternateContent xmlns:mc="http://schemas.openxmlformats.org/markup-compatibility/2006">
               <mc:Choice xmlns:v="urn:schemas-microsoft-com:vml" Requires="v">
-                <p:oleObj spid="_x0000_s218120" name="Equation" r:id="rId4" imgW="914400" imgH="215640" progId="Equation.3">
+                <p:oleObj spid="_x0000_s218153" name="Equation" r:id="rId4" imgW="914400" imgH="215640" progId="Equation.3">
                   <p:embed/>
                 </p:oleObj>
               </mc:Choice>
@@ -8329,7 +8716,7 @@
           <a:graphicData uri="http://schemas.openxmlformats.org/presentationml/2006/ole">
             <mc:AlternateContent xmlns:mc="http://schemas.openxmlformats.org/markup-compatibility/2006">
               <mc:Choice xmlns:v="urn:schemas-microsoft-com:vml" Requires="v">
-                <p:oleObj spid="_x0000_s218121" name="Equation" r:id="rId6" imgW="914400" imgH="215640" progId="Equation.3">
+                <p:oleObj spid="_x0000_s218154" name="Equation" r:id="rId6" imgW="914400" imgH="215640" progId="Equation.3">
                   <p:embed/>
                 </p:oleObj>
               </mc:Choice>
@@ -9278,7 +9665,7 @@
           <a:graphicData uri="http://schemas.openxmlformats.org/presentationml/2006/ole">
             <mc:AlternateContent xmlns:mc="http://schemas.openxmlformats.org/markup-compatibility/2006">
               <mc:Choice xmlns:v="urn:schemas-microsoft-com:vml" Requires="v">
-                <p:oleObj spid="_x0000_s140462" name="Equation" r:id="rId4" imgW="914400" imgH="215640" progId="Equation.3">
+                <p:oleObj spid="_x0000_s140495" name="Equation" r:id="rId4" imgW="914400" imgH="215640" progId="Equation.3">
                   <p:embed/>
                 </p:oleObj>
               </mc:Choice>
@@ -9348,7 +9735,7 @@
           <a:graphicData uri="http://schemas.openxmlformats.org/presentationml/2006/ole">
             <mc:AlternateContent xmlns:mc="http://schemas.openxmlformats.org/markup-compatibility/2006">
               <mc:Choice xmlns:v="urn:schemas-microsoft-com:vml" Requires="v">
-                <p:oleObj spid="_x0000_s140463" name="Equation" r:id="rId6" imgW="914400" imgH="215640" progId="Equation.3">
+                <p:oleObj spid="_x0000_s140496" name="Equation" r:id="rId6" imgW="914400" imgH="215640" progId="Equation.3">
                   <p:embed/>
                 </p:oleObj>
               </mc:Choice>
@@ -9476,7 +9863,7 @@
         <p:spPr bwMode="auto">
           <a:xfrm>
             <a:off x="203200" y="1168400"/>
-            <a:ext cx="8826500" cy="4462760"/>
+            <a:ext cx="8826500" cy="4524315"/>
           </a:xfrm>
           <a:prstGeom prst="rect">
             <a:avLst/>
@@ -9495,9 +9882,122 @@
           </a:bodyPr>
           <a:lstStyle/>
           <a:p>
-            <a:pPr>
+            <a:pPr marL="571500" indent="-571500" algn="l">
+              <a:buFont typeface="Arial"/>
+              <a:buChar char="•"/>
               <a:defRPr/>
             </a:pPr>
+            <a:r>
+              <a:rPr lang="en-US" sz="4400" dirty="0" smtClean="0">
+                <a:solidFill>
+                  <a:srgbClr val="000000"/>
+                </a:solidFill>
+                <a:latin typeface="Comic Sans MS" pitchFamily="66" charset="0"/>
+              </a:rPr>
+              <a:t> </a:t>
+            </a:r>
+            <a:r>
+              <a:rPr lang="en-US" sz="6000" dirty="0" smtClean="0">
+                <a:solidFill>
+                  <a:srgbClr val="000000"/>
+                </a:solidFill>
+                <a:latin typeface="Comic Sans MS" pitchFamily="66" charset="0"/>
+              </a:rPr>
+              <a:t> </a:t>
+            </a:r>
+            <a:r>
+              <a:rPr lang="en-US" sz="6000" dirty="0">
+                <a:solidFill>
+                  <a:srgbClr val="000000"/>
+                </a:solidFill>
+                <a:latin typeface="Comic Sans MS" pitchFamily="66" charset="0"/>
+              </a:rPr>
+              <a:t>notes, handouts</a:t>
+            </a:r>
+          </a:p>
+          <a:p>
+            <a:pPr marL="857250" indent="-857250" algn="l">
+              <a:buFont typeface="Arial"/>
+              <a:buChar char="•"/>
+              <a:defRPr/>
+            </a:pPr>
+            <a:r>
+              <a:rPr lang="en-US" sz="6000" dirty="0" smtClean="0">
+                <a:solidFill>
+                  <a:srgbClr val="000000"/>
+                </a:solidFill>
+                <a:latin typeface="Comic Sans MS" pitchFamily="66" charset="0"/>
+              </a:rPr>
+              <a:t> class calendar</a:t>
+            </a:r>
+            <a:endParaRPr lang="en-US" sz="4400" dirty="0"/>
+          </a:p>
+          <a:p>
+            <a:pPr marL="857250" indent="-857250" algn="l">
+              <a:buFont typeface="Arial"/>
+              <a:buChar char="•"/>
+              <a:defRPr/>
+            </a:pPr>
+            <a:r>
+              <a:rPr lang="en-US" sz="6000" dirty="0" smtClean="0">
+                <a:solidFill>
+                  <a:srgbClr val="000000"/>
+                </a:solidFill>
+                <a:latin typeface="Comic Sans MS" pitchFamily="66" charset="0"/>
+              </a:rPr>
+              <a:t> course organization</a:t>
+            </a:r>
+          </a:p>
+          <a:p>
+            <a:pPr marL="857250" indent="-857250" algn="l">
+              <a:buFont typeface="Arial"/>
+              <a:buChar char="•"/>
+              <a:defRPr/>
+            </a:pPr>
+            <a:r>
+              <a:rPr lang="en-US" sz="6000" dirty="0" smtClean="0">
+                <a:solidFill>
+                  <a:srgbClr val="000000"/>
+                </a:solidFill>
+                <a:latin typeface="Comic Sans MS" pitchFamily="66" charset="0"/>
+              </a:rPr>
+              <a:t> problem submission</a:t>
+            </a:r>
+          </a:p>
+          <a:p>
+            <a:pPr algn="l">
+              <a:spcAft>
+                <a:spcPts val="0"/>
+              </a:spcAft>
+              <a:defRPr/>
+            </a:pPr>
+            <a:endParaRPr lang="en-US" sz="2400" b="1" u="sng" kern="0" dirty="0" smtClean="0">
+              <a:solidFill>
+                <a:srgbClr val="A0106D"/>
+              </a:solidFill>
+              <a:latin typeface="Courier New" pitchFamily="49" charset="0"/>
+              <a:cs typeface="Courier New" pitchFamily="49" charset="0"/>
+              <a:hlinkClick r:id="rId7"/>
+            </a:endParaRPr>
+          </a:p>
+          <a:p>
+            <a:pPr algn="l">
+              <a:spcAft>
+                <a:spcPts val="3000"/>
+              </a:spcAft>
+              <a:defRPr/>
+            </a:pPr>
+            <a:r>
+              <a:rPr lang="en-US" sz="2400" b="1" u="sng" kern="0" dirty="0" smtClean="0">
+                <a:solidFill>
+                  <a:srgbClr val="A0106D"/>
+                </a:solidFill>
+                <a:latin typeface="Courier New" pitchFamily="49" charset="0"/>
+                <a:cs typeface="Courier New" pitchFamily="49" charset="0"/>
+                <a:hlinkClick r:id="rId7"/>
+              </a:rPr>
+              <a:t>https</a:t>
+            </a:r>
             <a:r>
               <a:rPr lang="en-US" sz="2400" b="1" u="sng" kern="0" dirty="0">
                 <a:solidFill>
@@ -9507,7 +10007,7 @@
                 <a:cs typeface="Courier New" pitchFamily="49" charset="0"/>
                 <a:hlinkClick r:id="rId7"/>
               </a:rPr>
-              <a:t>https://stellar.mit.edu/S/course/6/</a:t>
+              <a:t>://stellar.mit.edu/S/course/6/sp15/6.042</a:t>
             </a:r>
             <a:r>
               <a:rPr lang="en-US" sz="2400" b="1" u="sng" kern="0" dirty="0" smtClean="0">
@@ -9518,102 +10018,14 @@
                 <a:cs typeface="Courier New" pitchFamily="49" charset="0"/>
                 <a:hlinkClick r:id="rId7"/>
               </a:rPr>
-              <a:t>sp15/</a:t>
-            </a:r>
-            <a:r>
-              <a:rPr lang="en-US" sz="2400" b="1" u="sng" kern="0" dirty="0">
-                <a:solidFill>
-                  <a:srgbClr val="A0106D"/>
-                </a:solidFill>
-                <a:latin typeface="Courier New" pitchFamily="49" charset="0"/>
-                <a:cs typeface="Courier New" pitchFamily="49" charset="0"/>
-                <a:hlinkClick r:id="rId7"/>
-              </a:rPr>
-              <a:t>6.042/</a:t>
-            </a:r>
-            <a:r>
-              <a:rPr lang="en-US" sz="4400" dirty="0" smtClean="0">
-                <a:latin typeface="Comic Sans MS" pitchFamily="66" charset="0"/>
-              </a:rPr>
-              <a:t> </a:t>
-            </a:r>
-            <a:endParaRPr lang="en-US" sz="4400" dirty="0">
+              <a:t>/</a:t>
+            </a:r>
+            <a:endParaRPr lang="en-US" sz="2400" dirty="0" smtClean="0">
+              <a:solidFill>
+                <a:srgbClr val="000000"/>
+              </a:solidFill>
               <a:latin typeface="Comic Sans MS" pitchFamily="66" charset="0"/>
             </a:endParaRPr>
-          </a:p>
-          <a:p>
-            <a:pPr algn="l">
-              <a:buFont typeface="Arial" pitchFamily="34" charset="0"/>
-              <a:buChar char="•"/>
-              <a:defRPr/>
-            </a:pPr>
-            <a:r>
-              <a:rPr lang="en-US" sz="4400" dirty="0">
-                <a:solidFill>
-                  <a:srgbClr val="000000"/>
-                </a:solidFill>
-                <a:latin typeface="Comic Sans MS" pitchFamily="66" charset="0"/>
-              </a:rPr>
-              <a:t> </a:t>
-            </a:r>
-            <a:r>
-              <a:rPr lang="en-US" sz="6000" dirty="0">
-                <a:solidFill>
-                  <a:srgbClr val="000000"/>
-                </a:solidFill>
-                <a:latin typeface="Comic Sans MS" pitchFamily="66" charset="0"/>
-              </a:rPr>
-              <a:t> notes, handouts</a:t>
-            </a:r>
-          </a:p>
-          <a:p>
-            <a:pPr algn="l">
-              <a:buFont typeface="Arial" pitchFamily="34" charset="0"/>
-              <a:buChar char="•"/>
-              <a:defRPr/>
-            </a:pPr>
-            <a:r>
-              <a:rPr lang="en-US" sz="6000" dirty="0" smtClean="0">
-                <a:solidFill>
-                  <a:srgbClr val="000000"/>
-                </a:solidFill>
-                <a:latin typeface="Comic Sans MS" pitchFamily="66" charset="0"/>
-              </a:rPr>
-              <a:t> class calendar</a:t>
-            </a:r>
-            <a:endParaRPr lang="en-US" sz="4400" dirty="0"/>
-          </a:p>
-          <a:p>
-            <a:pPr algn="l">
-              <a:buFont typeface="Arial" pitchFamily="34" charset="0"/>
-              <a:buChar char="•"/>
-              <a:defRPr/>
-            </a:pPr>
-            <a:r>
-              <a:rPr lang="en-US" sz="6000" dirty="0" smtClean="0">
-                <a:solidFill>
-                  <a:srgbClr val="000000"/>
-                </a:solidFill>
-                <a:latin typeface="Comic Sans MS" pitchFamily="66" charset="0"/>
-              </a:rPr>
-              <a:t> course organization</a:t>
-            </a:r>
-          </a:p>
-          <a:p>
-            <a:pPr algn="l">
-              <a:buFont typeface="Arial" pitchFamily="34" charset="0"/>
-              <a:buChar char="•"/>
-              <a:defRPr/>
-            </a:pPr>
-            <a:r>
-              <a:rPr lang="en-US" sz="6000" dirty="0" smtClean="0">
-                <a:solidFill>
-                  <a:srgbClr val="000000"/>
-                </a:solidFill>
-                <a:latin typeface="Comic Sans MS" pitchFamily="66" charset="0"/>
-              </a:rPr>
-              <a:t> problem submission</a:t>
-            </a:r>
           </a:p>
         </p:txBody>
       </p:sp>
@@ -9637,6 +10049,9 @@
                     <p:cTn id="3" fill="hold">
                       <p:stCondLst>
                         <p:cond delay="indefinite"/>
+                        <p:cond evt="onBegin" delay="0">
+                          <p:tn val="2"/>
+                        </p:cond>
                       </p:stCondLst>
                       <p:childTnLst>
                         <p:par>
@@ -9646,7 +10061,7 @@
                             </p:stCondLst>
                             <p:childTnLst>
                               <p:par>
-                                <p:cTn id="5" presetID="9" presetClass="entr" presetSubtype="0" fill="hold" grpId="0" nodeType="clickEffect">
+                                <p:cTn id="5" presetID="9" presetClass="entr" presetSubtype="0" fill="hold" grpId="0" nodeType="afterEffect">
                                   <p:stCondLst>
                                     <p:cond delay="0"/>
                                   </p:stCondLst>
@@ -9661,7 +10076,7 @@
                                         <p:tgtEl>
                                           <p:spTgt spid="5128">
                                             <p:txEl>
-                                              <p:pRg st="1" end="1"/>
+                                              <p:pRg st="0" end="0"/>
                                             </p:txEl>
                                           </p:spTgt>
                                         </p:tgtEl>
@@ -9679,7 +10094,7 @@
                                         <p:tgtEl>
                                           <p:spTgt spid="5128">
                                             <p:txEl>
-                                              <p:pRg st="1" end="1"/>
+                                              <p:pRg st="0" end="0"/>
                                             </p:txEl>
                                           </p:spTgt>
                                         </p:tgtEl>
@@ -9713,7 +10128,7 @@
                                         <p:tgtEl>
                                           <p:spTgt spid="5128">
                                             <p:txEl>
-                                              <p:pRg st="2" end="2"/>
+                                              <p:pRg st="1" end="1"/>
                                             </p:txEl>
                                           </p:spTgt>
                                         </p:tgtEl>
@@ -9731,7 +10146,7 @@
                                         <p:tgtEl>
                                           <p:spTgt spid="5128">
                                             <p:txEl>
-                                              <p:pRg st="2" end="2"/>
+                                              <p:pRg st="1" end="1"/>
                                             </p:txEl>
                                           </p:spTgt>
                                         </p:tgtEl>
@@ -9765,7 +10180,7 @@
                                         <p:tgtEl>
                                           <p:spTgt spid="5128">
                                             <p:txEl>
-                                              <p:pRg st="3" end="3"/>
+                                              <p:pRg st="2" end="2"/>
                                             </p:txEl>
                                           </p:spTgt>
                                         </p:tgtEl>
@@ -9783,7 +10198,7 @@
                                         <p:tgtEl>
                                           <p:spTgt spid="5128">
                                             <p:txEl>
-                                              <p:pRg st="3" end="3"/>
+                                              <p:pRg st="2" end="2"/>
                                             </p:txEl>
                                           </p:spTgt>
                                         </p:tgtEl>
@@ -9817,7 +10232,7 @@
                                         <p:tgtEl>
                                           <p:spTgt spid="5128">
                                             <p:txEl>
-                                              <p:pRg st="4" end="4"/>
+                                              <p:pRg st="3" end="3"/>
                                             </p:txEl>
                                           </p:spTgt>
                                         </p:tgtEl>
@@ -9835,7 +10250,59 @@
                                         <p:tgtEl>
                                           <p:spTgt spid="5128">
                                             <p:txEl>
-                                              <p:pRg st="4" end="4"/>
+                                              <p:pRg st="3" end="3"/>
+                                            </p:txEl>
+                                          </p:spTgt>
+                                        </p:tgtEl>
+                                      </p:cBhvr>
+                                    </p:animEffect>
+                                  </p:childTnLst>
+                                </p:cTn>
+                              </p:par>
+                            </p:childTnLst>
+                          </p:cTn>
+                        </p:par>
+                        <p:par>
+                          <p:cTn id="20" fill="hold">
+                            <p:stCondLst>
+                              <p:cond delay="2000"/>
+                            </p:stCondLst>
+                            <p:childTnLst>
+                              <p:par>
+                                <p:cTn id="21" presetID="9" presetClass="entr" presetSubtype="0" fill="hold" grpId="0" nodeType="afterEffect">
+                                  <p:stCondLst>
+                                    <p:cond delay="0"/>
+                                  </p:stCondLst>
+                                  <p:childTnLst>
+                                    <p:set>
+                                      <p:cBhvr>
+                                        <p:cTn id="22" dur="1" fill="hold">
+                                          <p:stCondLst>
+                                            <p:cond delay="0"/>
+                                          </p:stCondLst>
+                                        </p:cTn>
+                                        <p:tgtEl>
+                                          <p:spTgt spid="5128">
+                                            <p:txEl>
+                                              <p:pRg st="5" end="5"/>
+                                            </p:txEl>
+                                          </p:spTgt>
+                                        </p:tgtEl>
+                                        <p:attrNameLst>
+                                          <p:attrName>style.visibility</p:attrName>
+                                        </p:attrNameLst>
+                                      </p:cBhvr>
+                                      <p:to>
+                                        <p:strVal val="visible"/>
+                                      </p:to>
+                                    </p:set>
+                                    <p:animEffect transition="in" filter="dissolve">
+                                      <p:cBhvr>
+                                        <p:cTn id="23" dur="500"/>
+                                        <p:tgtEl>
+                                          <p:spTgt spid="5128">
+                                            <p:txEl>
+                                              <p:pRg st="5" end="5"/>
                                             </p:txEl>
                                           </p:spTgt>
                                         </p:tgtEl>
@@ -9897,7 +10364,119 @@
       </p:grpSpPr>
       <p:sp>
         <p:nvSpPr>
-          <p:cNvPr id="2053" name="Slide Number Placeholder 3"/>
+          <p:cNvPr id="3080" name="Text Box 7"/>
+          <p:cNvSpPr txBox="1">
+            <a:spLocks noChangeArrowheads="1"/>
+          </p:cNvSpPr>
+          <p:nvPr/>
+        </p:nvSpPr>
+        <p:spPr bwMode="auto">
+          <a:xfrm>
+            <a:off x="139172" y="2128828"/>
+            <a:ext cx="8868832" cy="2585323"/>
+          </a:xfrm>
+          <a:prstGeom prst="rect">
+            <a:avLst/>
+          </a:prstGeom>
+          <a:noFill/>
+          <a:ln w="9525">
+            <a:noFill/>
+            <a:miter lim="800000"/>
+            <a:headEnd/>
+            <a:tailEnd type="none" w="lg" len="lg"/>
+          </a:ln>
+        </p:spPr>
+        <p:txBody>
+          <a:bodyPr wrap="square">
+            <a:spAutoFit/>
+          </a:bodyPr>
+          <a:lstStyle/>
+          <a:p>
+            <a:pPr algn="l">
+              <a:defRPr/>
+            </a:pPr>
+            <a:r>
+              <a:rPr lang="en-US" sz="5400" dirty="0" smtClean="0">
+                <a:latin typeface="Comic Sans MS" pitchFamily="66" charset="0"/>
+              </a:rPr>
+              <a:t>Readings &amp; online problems </a:t>
+            </a:r>
+          </a:p>
+          <a:p>
+            <a:pPr algn="l">
+              <a:defRPr/>
+            </a:pPr>
+            <a:r>
+              <a:rPr lang="en-US" sz="5400" dirty="0" smtClean="0">
+                <a:latin typeface="Comic Sans MS" pitchFamily="66" charset="0"/>
+              </a:rPr>
+              <a:t>in class </a:t>
+            </a:r>
+            <a:r>
+              <a:rPr lang="en-US" sz="5400" dirty="0" smtClean="0">
+                <a:solidFill>
+                  <a:srgbClr val="0000FF"/>
+                </a:solidFill>
+                <a:latin typeface="Comic Sans MS" pitchFamily="66" charset="0"/>
+              </a:rPr>
+              <a:t>calendar on</a:t>
+            </a:r>
+            <a:r>
+              <a:rPr lang="en-US" sz="5400" dirty="0" smtClean="0">
+                <a:latin typeface="Comic Sans MS" pitchFamily="66" charset="0"/>
+              </a:rPr>
+              <a:t> </a:t>
+            </a:r>
+            <a:r>
+              <a:rPr lang="en-US" sz="5400" dirty="0" smtClean="0">
+                <a:solidFill>
+                  <a:srgbClr val="0000FF"/>
+                </a:solidFill>
+                <a:latin typeface="Comic Sans MS" pitchFamily="66" charset="0"/>
+              </a:rPr>
+              <a:t>Stellar</a:t>
+            </a:r>
+          </a:p>
+          <a:p>
+            <a:pPr>
+              <a:defRPr/>
+            </a:pPr>
+            <a:r>
+              <a:rPr lang="en-US" sz="5400" dirty="0">
+                <a:latin typeface="Comic Sans MS" pitchFamily="66" charset="0"/>
+              </a:rPr>
+              <a:t>due </a:t>
+            </a:r>
+            <a:r>
+              <a:rPr lang="en-US" sz="5400" dirty="0">
+                <a:solidFill>
+                  <a:srgbClr val="077F15"/>
+                </a:solidFill>
+                <a:latin typeface="Comic Sans MS" pitchFamily="66" charset="0"/>
+              </a:rPr>
+              <a:t>starting </a:t>
+            </a:r>
+            <a:r>
+              <a:rPr lang="en-US" sz="5400" dirty="0" smtClean="0">
+                <a:solidFill>
+                  <a:srgbClr val="077F15"/>
+                </a:solidFill>
+                <a:latin typeface="Comic Sans MS" pitchFamily="66" charset="0"/>
+              </a:rPr>
+              <a:t>Friday</a:t>
+            </a:r>
+            <a:endParaRPr lang="en-US" sz="5400" dirty="0">
+              <a:solidFill>
+                <a:srgbClr val="0000FF"/>
+              </a:solidFill>
+              <a:latin typeface="Comic Sans MS" pitchFamily="66" charset="0"/>
+            </a:endParaRPr>
+          </a:p>
+        </p:txBody>
+      </p:sp>
+      <p:sp>
+        <p:nvSpPr>
+          <p:cNvPr id="3077" name="Slide Number Placeholder 3"/>
           <p:cNvSpPr>
             <a:spLocks noGrp="1"/>
           </p:cNvSpPr>
@@ -9924,10 +10503,122 @@
               <a:rPr lang="en-US" sz="1200" dirty="0" smtClean="0"/>
               <a:t>proof-intro.</a:t>
             </a:r>
+            <a:fld id="{4D204BE9-2F10-477E-9517-5A472BD6B7C3}" type="slidenum">
+              <a:rPr lang="en-US" sz="1200" smtClean="0"/>
+              <a:pPr/>
+              <a:t>6</a:t>
+            </a:fld>
+            <a:endParaRPr lang="en-US" sz="1200" dirty="0" smtClean="0"/>
+          </a:p>
+        </p:txBody>
+      </p:sp>
+      <p:sp>
+        <p:nvSpPr>
+          <p:cNvPr id="3078" name="Rectangle 2"/>
+          <p:cNvSpPr>
+            <a:spLocks noGrp="1" noChangeArrowheads="1"/>
+          </p:cNvSpPr>
+          <p:nvPr>
+            <p:ph type="ctrTitle"/>
+          </p:nvPr>
+        </p:nvSpPr>
+        <p:spPr>
+          <a:xfrm>
+            <a:off x="1516063" y="319088"/>
+            <a:ext cx="6484937" cy="1123950"/>
+          </a:xfrm>
+        </p:spPr>
+        <p:txBody>
+          <a:bodyPr/>
+          <a:lstStyle/>
+          <a:p>
+            <a:pPr algn="ctr" eaLnBrk="1" hangingPunct="1">
+              <a:defRPr/>
+            </a:pPr>
+            <a:r>
+              <a:rPr lang="en-US" dirty="0" smtClean="0">
+                <a:solidFill>
+                  <a:schemeClr val="tx1"/>
+                </a:solidFill>
+              </a:rPr>
+              <a:t>Reading Assignment</a:t>
+            </a:r>
+          </a:p>
+        </p:txBody>
+      </p:sp>
+    </p:spTree>
+    <p:extLst>
+      <p:ext uri="{BB962C8B-B14F-4D97-AF65-F5344CB8AC3E}">
+        <p14:creationId xmlns:p14="http://schemas.microsoft.com/office/powerpoint/2010/main" val="277740754"/>
+      </p:ext>
+    </p:extLst>
+  </p:cSld>
+  <p:clrMapOvr>
+    <a:masterClrMapping/>
+  </p:clrMapOvr>
+  <p:transition xmlns:p14="http://schemas.microsoft.com/office/powerpoint/2010/main" spd="slow" advClick="0">
+    <p:fade/>
+  </p:transition>
+  <p:timing>
+    <p:tnLst>
+      <p:par>
+        <p:cTn xmlns:p14="http://schemas.microsoft.com/office/powerpoint/2010/main" id="1" dur="indefinite" restart="never" nodeType="tmRoot"/>
+      </p:par>
+    </p:tnLst>
+  </p:timing>
+</p:sld>
+</file>
+
+<file path=ppt/slides/slide7.xml><?xml version="1.0" encoding="utf-8"?>
+<p:sld xmlns:a="http://schemas.openxmlformats.org/drawingml/2006/main" xmlns:r="http://schemas.openxmlformats.org/officeDocument/2006/relationships" xmlns:p="http://schemas.openxmlformats.org/presentationml/2006/main">
+  <p:cSld>
+    <p:spTree>
+      <p:nvGrpSpPr>
+        <p:cNvPr id="1" name=""/>
+        <p:cNvGrpSpPr/>
+        <p:nvPr/>
+      </p:nvGrpSpPr>
+      <p:grpSpPr>
+        <a:xfrm>
+          <a:off x="0" y="0"/>
+          <a:ext cx="0" cy="0"/>
+          <a:chOff x="0" y="0"/>
+          <a:chExt cx="0" cy="0"/>
+        </a:xfrm>
+      </p:grpSpPr>
+      <p:sp>
+        <p:nvSpPr>
+          <p:cNvPr id="2053" name="Slide Number Placeholder 3"/>
+          <p:cNvSpPr>
+            <a:spLocks noGrp="1"/>
+          </p:cNvSpPr>
+          <p:nvPr>
+            <p:ph type="sldNum" sz="quarter" idx="10"/>
+          </p:nvPr>
+        </p:nvSpPr>
+        <p:spPr>
+          <a:xfrm>
+            <a:off x="7693739" y="6553200"/>
+            <a:ext cx="1450262" cy="307777"/>
+          </a:xfrm>
+          <a:noFill/>
+        </p:spPr>
+        <p:txBody>
+          <a:bodyPr/>
+          <a:lstStyle/>
+          <a:p>
+            <a:r>
+              <a:rPr lang="en-US" dirty="0" smtClean="0"/>
+              <a:t>      </a:t>
+            </a:r>
+            <a:r>
+              <a:rPr lang="en-US" sz="1200" dirty="0" smtClean="0"/>
+              <a:t>proof-intro.</a:t>
+            </a:r>
             <a:fld id="{453FE1C2-9E91-4C24-BD74-47BCF0F2913B}" type="slidenum">
               <a:rPr lang="en-US" sz="1200" smtClean="0"/>
               <a:pPr/>
-              <a:t>6</a:t>
+              <a:t>7</a:t>
             </a:fld>
             <a:endParaRPr lang="en-US" sz="1200" dirty="0" smtClean="0"/>
           </a:p>
@@ -9991,7 +10682,7 @@
           <a:graphicData uri="http://schemas.openxmlformats.org/presentationml/2006/ole">
             <mc:AlternateContent xmlns:mc="http://schemas.openxmlformats.org/markup-compatibility/2006">
               <mc:Choice xmlns:v="urn:schemas-microsoft-com:vml" Requires="v">
-                <p:oleObj spid="_x0000_s2233" name="Equation" r:id="rId4" imgW="914400" imgH="215640" progId="Equation.3">
+                <p:oleObj spid="_x0000_s2268" name="Equation" r:id="rId4" imgW="914400" imgH="215640" progId="Equation.3">
                   <p:embed/>
                 </p:oleObj>
               </mc:Choice>
@@ -10061,7 +10752,7 @@
           <a:graphicData uri="http://schemas.openxmlformats.org/presentationml/2006/ole">
             <mc:AlternateContent xmlns:mc="http://schemas.openxmlformats.org/markup-compatibility/2006">
               <mc:Choice xmlns:v="urn:schemas-microsoft-com:vml" Requires="v">
-                <p:oleObj spid="_x0000_s2234" name="Equation" r:id="rId6" imgW="914400" imgH="215640" progId="Equation.3">
+                <p:oleObj spid="_x0000_s2269" name="Equation" r:id="rId6" imgW="914400" imgH="215640" progId="Equation.3">
                   <p:embed/>
                 </p:oleObj>
               </mc:Choice>
@@ -10183,17 +10874,17 @@
             <a:r>
               <a:rPr lang="en-US" sz="5400" dirty="0" smtClean="0">
                 <a:solidFill>
-                  <a:srgbClr val="FF0000"/>
+                  <a:srgbClr val="077F15"/>
                 </a:solidFill>
                 <a:latin typeface="Comic Sans MS" pitchFamily="66" charset="0"/>
               </a:rPr>
-              <a:t>Register</a:t>
+              <a:t>Register </a:t>
             </a:r>
             <a:r>
               <a:rPr lang="en-US" sz="5400" dirty="0" smtClean="0">
                 <a:latin typeface="Comic Sans MS" pitchFamily="66" charset="0"/>
               </a:rPr>
-              <a:t> for team</a:t>
+              <a:t>for session</a:t>
             </a:r>
           </a:p>
           <a:p>
@@ -10247,6 +10938,13 @@
             </a:endParaRPr>
           </a:p>
           <a:p>
+            <a:pPr algn="l"/>
+            <a:r>
+              <a:rPr lang="en-US" sz="5400" dirty="0" smtClean="0">
+                <a:latin typeface="Comic Sans MS" pitchFamily="66" charset="0"/>
+              </a:rPr>
+              <a:t>site has </a:t>
+            </a:r>
             <a:r>
               <a:rPr lang="en-US" sz="5400" dirty="0" smtClean="0">
                 <a:solidFill>
@@ -10282,6 +10980,7 @@
             </a:r>
           </a:p>
           <a:p>
+            <a:pPr algn="l"/>
             <a:r>
               <a:rPr lang="en-US" sz="5400" dirty="0" smtClean="0">
                 <a:solidFill>
@@ -10307,18 +11006,9 @@
   <p:clrMapOvr>
     <a:masterClrMapping/>
   </p:clrMapOvr>
-  <mc:AlternateContent xmlns:mc="http://schemas.openxmlformats.org/markup-compatibility/2006" xmlns:p14="http://schemas.microsoft.com/office/powerpoint/2010/main">
-    <mc:Choice Requires="p14">
-      <p:transition p14:dur="200" advClick="0">
-        <p:fade/>
-      </p:transition>
-    </mc:Choice>
-    <mc:Fallback xmlns="">
-      <p:transition xmlns:p14="http://schemas.microsoft.com/office/powerpoint/2010/main" advClick="0">
-        <p:fade/>
-      </p:transition>
-    </mc:Fallback>
-  </mc:AlternateContent>
+  <p:transition xmlns:p14="http://schemas.microsoft.com/office/powerpoint/2010/main" spd="slow" advClick="0">
+    <p:fade/>
+  </p:transition>
   <p:timing>
     <p:tnLst>
       <p:par>
@@ -10425,15 +11115,24 @@
                                   </p:childTnLst>
                                 </p:cTn>
                               </p:par>
+                            </p:childTnLst>
+                          </p:cTn>
+                        </p:par>
+                        <p:par>
+                          <p:cTn id="11" fill="hold">
+                            <p:stCondLst>
+                              <p:cond delay="500"/>
+                            </p:stCondLst>
+                            <p:childTnLst>
                               <p:par>
-                                <p:cTn id="11" presetID="10" presetClass="entr" presetSubtype="0" fill="hold" nodeType="withEffect">
+                                <p:cTn id="12" presetID="10" presetClass="entr" presetSubtype="0" fill="hold" nodeType="afterEffect">
                                   <p:stCondLst>
                                     <p:cond delay="0"/>
                                   </p:stCondLst>
                                   <p:childTnLst>
                                     <p:set>
                                       <p:cBhvr>
-                                        <p:cTn id="12" dur="1" fill="hold">
+                                        <p:cTn id="13" dur="1" fill="hold">
                                           <p:stCondLst>
                                             <p:cond delay="0"/>
                                           </p:stCondLst>
@@ -10455,7 +11154,7 @@
                                     </p:set>
                                     <p:animEffect transition="in" filter="fade">
                                       <p:cBhvr>
-                                        <p:cTn id="13" dur="500"/>
+                                        <p:cTn id="14" dur="500"/>
                                         <p:tgtEl>
                                           <p:spTgt spid="2056">
                                             <p:txEl>
@@ -10468,33 +11167,15 @@
                                   </p:childTnLst>
                                 </p:cTn>
                               </p:par>
-                            </p:childTnLst>
-                          </p:cTn>
-                        </p:par>
-                      </p:childTnLst>
-                    </p:cTn>
-                  </p:par>
-                  <p:par>
-                    <p:cTn id="14" fill="hold">
-                      <p:stCondLst>
-                        <p:cond delay="indefinite"/>
-                      </p:stCondLst>
-                      <p:childTnLst>
-                        <p:par>
-                          <p:cTn id="15" fill="hold">
-                            <p:stCondLst>
-                              <p:cond delay="0"/>
-                            </p:stCondLst>
-                            <p:childTnLst>
                               <p:par>
-                                <p:cTn id="16" presetID="9" presetClass="entr" presetSubtype="0" fill="hold" nodeType="clickEffect">
+                                <p:cTn id="15" presetID="10" presetClass="entr" presetSubtype="0" fill="hold" nodeType="withEffect">
                                   <p:stCondLst>
-                                    <p:cond delay="0"/>
+                                    <p:cond delay="1000"/>
                                   </p:stCondLst>
                                   <p:childTnLst>
                                     <p:set>
                                       <p:cBhvr>
-                                        <p:cTn id="17" dur="1" fill="hold">
+                                        <p:cTn id="16" dur="1" fill="hold">
                                           <p:stCondLst>
                                             <p:cond delay="0"/>
                                           </p:stCondLst>
@@ -10514,9 +11195,9 @@
                                         <p:strVal val="visible"/>
                                       </p:to>
                                     </p:set>
-                                    <p:animEffect transition="in" filter="dissolve">
+                                    <p:animEffect transition="in" filter="fade">
                                       <p:cBhvr>
-                                        <p:cTn id="18" dur="500"/>
+                                        <p:cTn id="17" dur="500"/>
                                         <p:tgtEl>
                                           <p:spTgt spid="2056">
                                             <p:txEl>
@@ -10536,26 +11217,26 @@
                     </p:cTn>
                   </p:par>
                   <p:par>
-                    <p:cTn id="19" fill="hold">
+                    <p:cTn id="18" fill="hold">
                       <p:stCondLst>
                         <p:cond delay="indefinite"/>
                       </p:stCondLst>
                       <p:childTnLst>
                         <p:par>
-                          <p:cTn id="20" fill="hold">
+                          <p:cTn id="19" fill="hold">
                             <p:stCondLst>
                               <p:cond delay="0"/>
                             </p:stCondLst>
                             <p:childTnLst>
                               <p:par>
-                                <p:cTn id="21" presetID="10" presetClass="entr" presetSubtype="0" fill="hold" nodeType="clickEffect">
+                                <p:cTn id="20" presetID="10" presetClass="entr" presetSubtype="0" fill="hold" nodeType="clickEffect">
                                   <p:stCondLst>
                                     <p:cond delay="0"/>
                                   </p:stCondLst>
                                   <p:childTnLst>
                                     <p:set>
                                       <p:cBhvr>
-                                        <p:cTn id="22" dur="1" fill="hold">
+                                        <p:cTn id="21" dur="1" fill="hold">
                                           <p:stCondLst>
                                             <p:cond delay="0"/>
                                           </p:stCondLst>
@@ -10577,7 +11258,7 @@
                                     </p:set>
                                     <p:animEffect transition="in" filter="fade">
                                       <p:cBhvr>
-                                        <p:cTn id="23" dur="500"/>
+                                        <p:cTn id="22" dur="500"/>
                                         <p:tgtEl>
                                           <p:spTgt spid="2056">
                                             <p:txEl>
@@ -10591,14 +11272,14 @@
                                 </p:cTn>
                               </p:par>
                               <p:par>
-                                <p:cTn id="24" presetID="10" presetClass="entr" presetSubtype="0" fill="hold" nodeType="withEffect">
+                                <p:cTn id="23" presetID="10" presetClass="entr" presetSubtype="0" fill="hold" nodeType="withEffect">
                                   <p:stCondLst>
                                     <p:cond delay="0"/>
                                   </p:stCondLst>
                                   <p:childTnLst>
                                     <p:set>
                                       <p:cBhvr>
-                                        <p:cTn id="25" dur="1" fill="hold">
+                                        <p:cTn id="24" dur="1" fill="hold">
                                           <p:stCondLst>
                                             <p:cond delay="0"/>
                                           </p:stCondLst>
@@ -10620,7 +11301,7 @@
                                     </p:set>
                                     <p:animEffect transition="in" filter="fade">
                                       <p:cBhvr>
-                                        <p:cTn id="26" dur="500"/>
+                                        <p:cTn id="25" dur="500"/>
                                         <p:tgtEl>
                                           <p:spTgt spid="2056">
                                             <p:txEl>
@@ -10664,7 +11345,7 @@
 </p:sld>
 </file>
 
-<file path=ppt/slides/slide7.xml><?xml version="1.0" encoding="utf-8"?>
+<file path=ppt/slides/slide8.xml><?xml version="1.0" encoding="utf-8"?>
 <p:sld xmlns:a="http://schemas.openxmlformats.org/drawingml/2006/main" xmlns:r="http://schemas.openxmlformats.org/officeDocument/2006/relationships" xmlns:p="http://schemas.openxmlformats.org/presentationml/2006/main" show="0">
   <p:cSld>
     <p:spTree>
@@ -10808,7 +11489,7 @@
               <a:pPr>
                 <a:defRPr/>
               </a:pPr>
-              <a:t>7</a:t>
+              <a:t>8</a:t>
             </a:fld>
             <a:endParaRPr lang="en-US" sz="1200" dirty="0"/>
           </a:p>
@@ -10837,192 +11518,8 @@
 </p:sld>
 </file>
 
-<file path=ppt/slides/slide8.xml><?xml version="1.0" encoding="utf-8"?>
-<p:sld xmlns:a="http://schemas.openxmlformats.org/drawingml/2006/main" xmlns:r="http://schemas.openxmlformats.org/officeDocument/2006/relationships" xmlns:p="http://schemas.openxmlformats.org/presentationml/2006/main">
-  <p:cSld>
-    <p:spTree>
-      <p:nvGrpSpPr>
-        <p:cNvPr id="1" name=""/>
-        <p:cNvGrpSpPr/>
-        <p:nvPr/>
-      </p:nvGrpSpPr>
-      <p:grpSpPr>
-        <a:xfrm>
-          <a:off x="0" y="0"/>
-          <a:ext cx="0" cy="0"/>
-          <a:chOff x="0" y="0"/>
-          <a:chExt cx="0" cy="0"/>
-        </a:xfrm>
-      </p:grpSpPr>
-      <p:sp>
-        <p:nvSpPr>
-          <p:cNvPr id="3080" name="Text Box 7"/>
-          <p:cNvSpPr txBox="1">
-            <a:spLocks noChangeArrowheads="1"/>
-          </p:cNvSpPr>
-          <p:nvPr/>
-        </p:nvSpPr>
-        <p:spPr bwMode="auto">
-          <a:xfrm>
-            <a:off x="275168" y="1955800"/>
-            <a:ext cx="8627531" cy="3046988"/>
-          </a:xfrm>
-          <a:prstGeom prst="rect">
-            <a:avLst/>
-          </a:prstGeom>
-          <a:noFill/>
-          <a:ln w="9525">
-            <a:noFill/>
-            <a:miter lim="800000"/>
-            <a:headEnd/>
-            <a:tailEnd type="none" w="lg" len="lg"/>
-          </a:ln>
-        </p:spPr>
-        <p:txBody>
-          <a:bodyPr wrap="square">
-            <a:spAutoFit/>
-          </a:bodyPr>
-          <a:lstStyle/>
-          <a:p>
-            <a:pPr algn="l">
-              <a:defRPr/>
-            </a:pPr>
-            <a:r>
-              <a:rPr lang="en-US" sz="9600" baseline="30000" dirty="0" smtClean="0">
-                <a:latin typeface="Comic Sans MS" pitchFamily="66" charset="0"/>
-              </a:rPr>
-              <a:t>Specific readings and due dates in class </a:t>
-            </a:r>
-            <a:r>
-              <a:rPr lang="en-US" sz="9600" baseline="30000" dirty="0" smtClean="0">
-                <a:solidFill>
-                  <a:srgbClr val="0000FF"/>
-                </a:solidFill>
-                <a:latin typeface="Comic Sans MS" pitchFamily="66" charset="0"/>
-              </a:rPr>
-              <a:t>calendar </a:t>
-            </a:r>
-            <a:r>
-              <a:rPr lang="en-US" sz="9600" baseline="30000" dirty="0" smtClean="0">
-                <a:latin typeface="Comic Sans MS" pitchFamily="66" charset="0"/>
-              </a:rPr>
-              <a:t>on </a:t>
-            </a:r>
-            <a:r>
-              <a:rPr lang="en-US" sz="9600" baseline="30000" dirty="0" smtClean="0">
-                <a:solidFill>
-                  <a:srgbClr val="0000FF"/>
-                </a:solidFill>
-                <a:latin typeface="Comic Sans MS" pitchFamily="66" charset="0"/>
-              </a:rPr>
-              <a:t>Stellar</a:t>
-            </a:r>
-            <a:endParaRPr lang="en-US" sz="9600" baseline="30000" dirty="0">
-              <a:solidFill>
-                <a:srgbClr val="0000FF"/>
-              </a:solidFill>
-              <a:latin typeface="Comic Sans MS" pitchFamily="66" charset="0"/>
-            </a:endParaRPr>
-          </a:p>
-        </p:txBody>
-      </p:sp>
-      <p:sp>
-        <p:nvSpPr>
-          <p:cNvPr id="3077" name="Slide Number Placeholder 3"/>
-          <p:cNvSpPr>
-            <a:spLocks noGrp="1"/>
-          </p:cNvSpPr>
-          <p:nvPr>
-            <p:ph type="sldNum" sz="quarter" idx="10"/>
-          </p:nvPr>
-        </p:nvSpPr>
-        <p:spPr>
-          <a:xfrm>
-            <a:off x="7693739" y="6553200"/>
-            <a:ext cx="1450262" cy="307777"/>
-          </a:xfrm>
-          <a:noFill/>
-        </p:spPr>
-        <p:txBody>
-          <a:bodyPr/>
-          <a:lstStyle/>
-          <a:p>
-            <a:r>
-              <a:rPr lang="en-US" dirty="0" smtClean="0"/>
-              <a:t>      </a:t>
-            </a:r>
-            <a:r>
-              <a:rPr lang="en-US" sz="1200" dirty="0" smtClean="0"/>
-              <a:t>proof-intro.</a:t>
-            </a:r>
-            <a:fld id="{4D204BE9-2F10-477E-9517-5A472BD6B7C3}" type="slidenum">
-              <a:rPr lang="en-US" sz="1200" smtClean="0"/>
-              <a:pPr/>
-              <a:t>8</a:t>
-            </a:fld>
-            <a:endParaRPr lang="en-US" sz="1200" dirty="0" smtClean="0"/>
-          </a:p>
-        </p:txBody>
-      </p:sp>
-      <p:sp>
-        <p:nvSpPr>
-          <p:cNvPr id="3078" name="Rectangle 2"/>
-          <p:cNvSpPr>
-            <a:spLocks noGrp="1" noChangeArrowheads="1"/>
-          </p:cNvSpPr>
-          <p:nvPr>
-            <p:ph type="ctrTitle"/>
-          </p:nvPr>
-        </p:nvSpPr>
-        <p:spPr>
-          <a:xfrm>
-            <a:off x="1516063" y="319088"/>
-            <a:ext cx="6484937" cy="1123950"/>
-          </a:xfrm>
-        </p:spPr>
-        <p:txBody>
-          <a:bodyPr/>
-          <a:lstStyle/>
-          <a:p>
-            <a:pPr algn="ctr" eaLnBrk="1" hangingPunct="1">
-              <a:defRPr/>
-            </a:pPr>
-            <a:r>
-              <a:rPr lang="en-US" dirty="0" smtClean="0">
-                <a:solidFill>
-                  <a:schemeClr val="tx1"/>
-                </a:solidFill>
-              </a:rPr>
-              <a:t>Reading Assignment</a:t>
-            </a:r>
-          </a:p>
-        </p:txBody>
-      </p:sp>
-    </p:spTree>
-    <p:extLst>
-      <p:ext uri="{BB962C8B-B14F-4D97-AF65-F5344CB8AC3E}">
-        <p14:creationId xmlns:p14="http://schemas.microsoft.com/office/powerpoint/2010/main" val="277740754"/>
-      </p:ext>
-    </p:extLst>
-  </p:cSld>
-  <p:clrMapOvr>
-    <a:masterClrMapping/>
-  </p:clrMapOvr>
-  <p:transition xmlns:p14="http://schemas.microsoft.com/office/powerpoint/2010/main" spd="slow" advClick="0">
-    <p:fade/>
-  </p:transition>
-  <p:timing>
-    <p:tnLst>
-      <p:par>
-        <p:cTn xmlns:p14="http://schemas.microsoft.com/office/powerpoint/2010/main" id="1" dur="indefinite" restart="never" nodeType="tmRoot"/>
-      </p:par>
-    </p:tnLst>
-  </p:timing>
-</p:sld>
-</file>
-
 <file path=ppt/slides/slide9.xml><?xml version="1.0" encoding="utf-8"?>
-<p:sld xmlns:a="http://schemas.openxmlformats.org/drawingml/2006/main" xmlns:r="http://schemas.openxmlformats.org/officeDocument/2006/relationships" xmlns:p="http://schemas.openxmlformats.org/presentationml/2006/main">
+<p:sld xmlns:a="http://schemas.openxmlformats.org/drawingml/2006/main" xmlns:r="http://schemas.openxmlformats.org/officeDocument/2006/relationships" xmlns:p="http://schemas.openxmlformats.org/presentationml/2006/main" show="0">
   <p:cSld>
     <p:spTree>
       <p:nvGrpSpPr>
@@ -11360,7 +11857,7 @@
           <a:graphicData uri="http://schemas.openxmlformats.org/presentationml/2006/ole">
             <mc:AlternateContent xmlns:mc="http://schemas.openxmlformats.org/markup-compatibility/2006">
               <mc:Choice xmlns:v="urn:schemas-microsoft-com:vml" Requires="v">
-                <p:oleObj spid="_x0000_s3226" name="Equation" r:id="rId4" imgW="914400" imgH="215640" progId="Equation.3">
+                <p:oleObj spid="_x0000_s3244" name="Equation" r:id="rId4" imgW="914400" imgH="215640" progId="Equation.3">
                   <p:embed/>
                 </p:oleObj>
               </mc:Choice>
@@ -11453,11 +11950,11 @@
   <p:clrMapOvr>
     <a:masterClrMapping/>
   </p:clrMapOvr>
-  <mc:AlternateContent xmlns:mc="http://schemas.openxmlformats.org/markup-compatibility/2006" xmlns:p14="http://schemas.microsoft.com/office/powerpoint/2010/main">
-    <mc:Choice Requires="p14">
+  <mc:AlternateContent xmlns:mc="http://schemas.openxmlformats.org/markup-compatibility/2006">
+    <mc:Choice xmlns:p14="http://schemas.microsoft.com/office/powerpoint/2010/main" Requires="p14">
       <p:transition p14:dur="0" advClick="0"/>
     </mc:Choice>
-    <mc:Fallback xmlns="">
+    <mc:Fallback>
       <p:transition xmlns:p14="http://schemas.microsoft.com/office/powerpoint/2010/main" advClick="0"/>
     </mc:Fallback>
   </mc:AlternateContent>
